--- a/img/ctr.pptx
+++ b/img/ctr.pptx
@@ -1949,8 +1949,8 @@
           <a:chExt cx="0" cy="0"/>
         </a:xfrm>
       </p:grpSpPr>
-      <mc:AlternateContent xmlns:mc="http://schemas.openxmlformats.org/markup-compatibility/2006" xmlns:a14="http://schemas.microsoft.com/office/drawing/2010/main">
-        <mc:Choice Requires="a14">
+      <mc:AlternateContent xmlns:mc="http://schemas.openxmlformats.org/markup-compatibility/2006">
+        <mc:Choice xmlns:a14="http://schemas.microsoft.com/office/drawing/2010/main" Requires="a14">
           <p:sp>
             <p:nvSpPr>
               <p:cNvPr id="29" name="テキスト ボックス 28"/>
@@ -1960,7 +1960,7 @@
             <p:spPr>
               <a:xfrm>
                 <a:off x="629816" y="1555931"/>
-                <a:ext cx="451551" cy="228183"/>
+                <a:ext cx="451551" cy="205100"/>
               </a:xfrm>
               <a:prstGeom prst="rect">
                 <a:avLst/>
@@ -1987,7 +1987,7 @@
                     </m:oMathParaPr>
                     <m:oMath xmlns:m="http://schemas.openxmlformats.org/officeDocument/2006/math">
                       <m:r>
-                        <a:rPr lang="en-US" altLang="ja-JP" sz="1200" b="0" i="1" smtClean="0">
+                        <a:rPr lang="en-US" altLang="ja-JP" sz="1050" b="0" i="1" smtClean="0">
                           <a:latin typeface="Cambria Math"/>
                           <a:ea typeface="HG丸ｺﾞｼｯｸM-PRO" panose="020F0600000000000000" pitchFamily="50" charset="-128"/>
                           <a:cs typeface="Courier New" pitchFamily="49" charset="0"/>
@@ -1995,7 +1995,7 @@
                         <m:t>𝑠</m:t>
                       </m:r>
                       <m:r>
-                        <a:rPr lang="en-US" altLang="ja-JP" sz="1200" b="0" i="1" smtClean="0">
+                        <a:rPr lang="en-US" altLang="ja-JP" sz="1050" b="0" i="1" smtClean="0">
                           <a:latin typeface="Cambria Math"/>
                           <a:ea typeface="HG丸ｺﾞｼｯｸM-PRO" panose="020F0600000000000000" pitchFamily="50" charset="-128"/>
                           <a:cs typeface="Courier New" pitchFamily="49" charset="0"/>
@@ -2005,7 +2005,7 @@
                     </m:oMath>
                   </m:oMathPara>
                 </a14:m>
-                <a:endParaRPr lang="ja-JP" altLang="en-US" sz="1200">
+                <a:endParaRPr lang="ja-JP" altLang="en-US" sz="1050">
                   <a:latin typeface="HG丸ｺﾞｼｯｸM-PRO" panose="020F0600000000000000" pitchFamily="50" charset="-128"/>
                   <a:ea typeface="HG丸ｺﾞｼｯｸM-PRO" panose="020F0600000000000000" pitchFamily="50" charset="-128"/>
                   <a:cs typeface="Courier New" pitchFamily="49" charset="0"/>
@@ -2014,7 +2014,7 @@
             </p:txBody>
           </p:sp>
         </mc:Choice>
-        <mc:Fallback xmlns="">
+        <mc:Fallback>
           <p:sp>
             <p:nvSpPr>
               <p:cNvPr id="29" name="テキスト ボックス 28"/>
@@ -2026,7 +2026,7 @@
             <p:spPr>
               <a:xfrm>
                 <a:off x="629816" y="1555931"/>
-                <a:ext cx="451551" cy="228183"/>
+                <a:ext cx="451551" cy="205100"/>
               </a:xfrm>
               <a:prstGeom prst="rect">
                 <a:avLst/>
@@ -2034,7 +2034,7 @@
               <a:blipFill rotWithShape="1">
                 <a:blip r:embed="rId2"/>
                 <a:stretch>
-                  <a:fillRect b="-15000"/>
+                  <a:fillRect b="-16667"/>
                 </a:stretch>
               </a:blipFill>
               <a:ln w="9525" cap="rnd">
@@ -2059,8 +2059,8 @@
           </p:sp>
         </mc:Fallback>
       </mc:AlternateContent>
-      <mc:AlternateContent xmlns:mc="http://schemas.openxmlformats.org/markup-compatibility/2006" xmlns:a14="http://schemas.microsoft.com/office/drawing/2010/main">
-        <mc:Choice Requires="a14">
+      <mc:AlternateContent xmlns:mc="http://schemas.openxmlformats.org/markup-compatibility/2006">
+        <mc:Choice xmlns:a14="http://schemas.microsoft.com/office/drawing/2010/main" Requires="a14">
           <p:sp>
             <p:nvSpPr>
               <p:cNvPr id="9" name="テキスト ボックス 8"/>
@@ -2070,7 +2070,7 @@
             <p:spPr>
               <a:xfrm>
                 <a:off x="1094759" y="1269876"/>
-                <a:ext cx="327145" cy="228183"/>
+                <a:ext cx="327145" cy="205100"/>
               </a:xfrm>
               <a:prstGeom prst="rect">
                 <a:avLst/>
@@ -2099,7 +2099,7 @@
                       <m:sSub>
                         <m:sSubPr>
                           <m:ctrlPr>
-                            <a:rPr lang="en-US" altLang="ja-JP" sz="1200" b="0" i="1" smtClean="0">
+                            <a:rPr lang="en-US" altLang="ja-JP" sz="1050" b="0" i="1" smtClean="0">
                               <a:latin typeface="Cambria Math"/>
                               <a:ea typeface="ＭＳ ゴシック" pitchFamily="49" charset="-128"/>
                               <a:cs typeface="Courier New" pitchFamily="49" charset="0"/>
@@ -2108,7 +2108,7 @@
                         </m:sSubPr>
                         <m:e>
                           <m:r>
-                            <a:rPr lang="en-US" altLang="ja-JP" sz="1200" b="0" i="1" smtClean="0">
+                            <a:rPr lang="en-US" altLang="ja-JP" sz="1050" b="0" i="1" smtClean="0">
                               <a:latin typeface="Cambria Math"/>
                               <a:ea typeface="ＭＳ ゴシック" pitchFamily="49" charset="-128"/>
                               <a:cs typeface="Courier New" pitchFamily="49" charset="0"/>
@@ -2118,7 +2118,7 @@
                         </m:e>
                         <m:sub>
                           <m:r>
-                            <a:rPr lang="en-US" altLang="ja-JP" sz="1200" b="0" i="1" smtClean="0">
+                            <a:rPr lang="en-US" altLang="ja-JP" sz="1050" b="0" i="1" smtClean="0">
                               <a:latin typeface="Cambria Math"/>
                               <a:ea typeface="ＭＳ ゴシック" pitchFamily="49" charset="-128"/>
                               <a:cs typeface="Courier New" pitchFamily="49" charset="0"/>
@@ -2130,7 +2130,7 @@
                     </m:oMath>
                   </m:oMathPara>
                 </a14:m>
-                <a:endParaRPr lang="ja-JP" altLang="en-US" sz="1200">
+                <a:endParaRPr lang="ja-JP" altLang="en-US" sz="1050">
                   <a:latin typeface="Courier New" pitchFamily="49" charset="0"/>
                   <a:ea typeface="ＭＳ ゴシック" pitchFamily="49" charset="-128"/>
                   <a:cs typeface="Courier New" pitchFamily="49" charset="0"/>
@@ -2139,7 +2139,7 @@
             </p:txBody>
           </p:sp>
         </mc:Choice>
-        <mc:Fallback xmlns="">
+        <mc:Fallback>
           <p:sp>
             <p:nvSpPr>
               <p:cNvPr id="9" name="テキスト ボックス 8"/>
@@ -2151,7 +2151,7 @@
             <p:spPr>
               <a:xfrm>
                 <a:off x="1094759" y="1269876"/>
-                <a:ext cx="327145" cy="228183"/>
+                <a:ext cx="327145" cy="205100"/>
               </a:xfrm>
               <a:prstGeom prst="rect">
                 <a:avLst/>
@@ -2184,8 +2184,8 @@
           </p:sp>
         </mc:Fallback>
       </mc:AlternateContent>
-      <mc:AlternateContent xmlns:mc="http://schemas.openxmlformats.org/markup-compatibility/2006" xmlns:a14="http://schemas.microsoft.com/office/drawing/2010/main">
-        <mc:Choice Requires="a14">
+      <mc:AlternateContent xmlns:mc="http://schemas.openxmlformats.org/markup-compatibility/2006">
+        <mc:Choice xmlns:a14="http://schemas.microsoft.com/office/drawing/2010/main" Requires="a14">
           <p:sp>
             <p:nvSpPr>
               <p:cNvPr id="12" name="テキスト ボックス 11"/>
@@ -2194,8 +2194,8 @@
             </p:nvSpPr>
             <p:spPr>
               <a:xfrm>
-                <a:off x="1094759" y="2002116"/>
-                <a:ext cx="327145" cy="228183"/>
+                <a:off x="1094759" y="2022415"/>
+                <a:ext cx="327145" cy="205100"/>
               </a:xfrm>
               <a:prstGeom prst="rect">
                 <a:avLst/>
@@ -2220,7 +2220,7 @@
                     </m:oMathParaPr>
                     <m:oMath xmlns:m="http://schemas.openxmlformats.org/officeDocument/2006/math">
                       <m:r>
-                        <a:rPr lang="en-US" altLang="ja-JP" sz="1200" b="0" i="1" smtClean="0">
+                        <a:rPr lang="en-US" altLang="ja-JP" sz="1050" b="0" i="1" smtClean="0">
                           <a:latin typeface="Cambria Math"/>
                           <a:ea typeface="ＭＳ ゴシック" pitchFamily="49" charset="-128"/>
                           <a:cs typeface="Courier New" pitchFamily="49" charset="0"/>
@@ -2230,7 +2230,7 @@
                     </m:oMath>
                   </m:oMathPara>
                 </a14:m>
-                <a:endParaRPr lang="ja-JP" altLang="en-US" sz="1200">
+                <a:endParaRPr lang="ja-JP" altLang="en-US" sz="1050">
                   <a:latin typeface="Courier New" pitchFamily="49" charset="0"/>
                   <a:ea typeface="ＭＳ ゴシック" pitchFamily="49" charset="-128"/>
                   <a:cs typeface="Courier New" pitchFamily="49" charset="0"/>
@@ -2239,7 +2239,7 @@
             </p:txBody>
           </p:sp>
         </mc:Choice>
-        <mc:Fallback xmlns="">
+        <mc:Fallback>
           <p:sp>
             <p:nvSpPr>
               <p:cNvPr id="12" name="テキスト ボックス 11"/>
@@ -2250,8 +2250,8 @@
             </p:nvSpPr>
             <p:spPr>
               <a:xfrm>
-                <a:off x="1094759" y="2002116"/>
-                <a:ext cx="327145" cy="228183"/>
+                <a:off x="1094759" y="2022415"/>
+                <a:ext cx="327145" cy="205100"/>
               </a:xfrm>
               <a:prstGeom prst="rect">
                 <a:avLst/>
@@ -2259,7 +2259,7 @@
               <a:blipFill rotWithShape="1">
                 <a:blip r:embed="rId4"/>
                 <a:stretch>
-                  <a:fillRect b="-2632"/>
+                  <a:fillRect b="-9091"/>
                 </a:stretch>
               </a:blipFill>
               <a:ln w="9525" cap="rnd">
@@ -2319,8 +2319,8 @@
           </a:fontRef>
         </p:style>
       </p:cxnSp>
-      <mc:AlternateContent xmlns:mc="http://schemas.openxmlformats.org/markup-compatibility/2006" xmlns:a14="http://schemas.microsoft.com/office/drawing/2010/main">
-        <mc:Choice Requires="a14">
+      <mc:AlternateContent xmlns:mc="http://schemas.openxmlformats.org/markup-compatibility/2006">
+        <mc:Choice xmlns:a14="http://schemas.microsoft.com/office/drawing/2010/main" Requires="a14">
           <p:sp>
             <p:nvSpPr>
               <p:cNvPr id="40" name="テキスト ボックス 39"/>
@@ -2329,8 +2329,8 @@
             </p:nvSpPr>
             <p:spPr>
               <a:xfrm>
-                <a:off x="1094759" y="2415197"/>
-                <a:ext cx="327145" cy="228183"/>
+                <a:off x="1094759" y="2394331"/>
+                <a:ext cx="327145" cy="205100"/>
               </a:xfrm>
               <a:prstGeom prst="rect">
                 <a:avLst/>
@@ -2359,7 +2359,7 @@
                       <m:sSub>
                         <m:sSubPr>
                           <m:ctrlPr>
-                            <a:rPr lang="en-US" altLang="ja-JP" sz="1200" b="0" i="1" smtClean="0">
+                            <a:rPr lang="en-US" altLang="ja-JP" sz="1050" b="0" i="1" smtClean="0">
                               <a:latin typeface="Cambria Math"/>
                               <a:ea typeface="ＭＳ ゴシック" pitchFamily="49" charset="-128"/>
                               <a:cs typeface="Courier New" pitchFamily="49" charset="0"/>
@@ -2368,7 +2368,7 @@
                         </m:sSubPr>
                         <m:e>
                           <m:r>
-                            <a:rPr lang="en-US" altLang="ja-JP" sz="1200" b="0" i="1" smtClean="0">
+                            <a:rPr lang="en-US" altLang="ja-JP" sz="1050" b="0" i="1" smtClean="0">
                               <a:latin typeface="Cambria Math"/>
                               <a:ea typeface="ＭＳ ゴシック" pitchFamily="49" charset="-128"/>
                               <a:cs typeface="Courier New" pitchFamily="49" charset="0"/>
@@ -2378,7 +2378,7 @@
                         </m:e>
                         <m:sub>
                           <m:r>
-                            <a:rPr lang="en-US" altLang="ja-JP" sz="1200" b="0" i="1" smtClean="0">
+                            <a:rPr lang="en-US" altLang="ja-JP" sz="1050" b="0" i="1" smtClean="0">
                               <a:latin typeface="Cambria Math"/>
                               <a:ea typeface="ＭＳ ゴシック" pitchFamily="49" charset="-128"/>
                               <a:cs typeface="Courier New" pitchFamily="49" charset="0"/>
@@ -2390,7 +2390,7 @@
                     </m:oMath>
                   </m:oMathPara>
                 </a14:m>
-                <a:endParaRPr lang="ja-JP" altLang="en-US" sz="1200">
+                <a:endParaRPr lang="ja-JP" altLang="en-US" sz="1050">
                   <a:latin typeface="Courier New" pitchFamily="49" charset="0"/>
                   <a:ea typeface="ＭＳ ゴシック" pitchFamily="49" charset="-128"/>
                   <a:cs typeface="Courier New" pitchFamily="49" charset="0"/>
@@ -2399,7 +2399,7 @@
             </p:txBody>
           </p:sp>
         </mc:Choice>
-        <mc:Fallback xmlns="">
+        <mc:Fallback>
           <p:sp>
             <p:nvSpPr>
               <p:cNvPr id="40" name="テキスト ボックス 39"/>
@@ -2410,8 +2410,8 @@
             </p:nvSpPr>
             <p:spPr>
               <a:xfrm>
-                <a:off x="1094759" y="2415197"/>
-                <a:ext cx="327145" cy="228183"/>
+                <a:off x="1094759" y="2394331"/>
+                <a:ext cx="327145" cy="205100"/>
               </a:xfrm>
               <a:prstGeom prst="rect">
                 <a:avLst/>
@@ -2444,116 +2444,51 @@
           </p:sp>
         </mc:Fallback>
       </mc:AlternateContent>
-      <mc:AlternateContent xmlns:mc="http://schemas.openxmlformats.org/markup-compatibility/2006" xmlns:a14="http://schemas.microsoft.com/office/drawing/2010/main">
-        <mc:Choice Requires="a14">
-          <p:sp useBgFill="1">
-            <p:nvSpPr>
-              <p:cNvPr id="43" name="角丸四角形 42"/>
-              <p:cNvSpPr/>
-              <p:nvPr/>
-            </p:nvSpPr>
-            <p:spPr>
-              <a:xfrm>
-                <a:off x="704879" y="2002116"/>
-                <a:ext cx="360040" cy="216024"/>
-              </a:xfrm>
-              <a:prstGeom prst="roundRect">
-                <a:avLst/>
-              </a:prstGeom>
-              <a:ln w="6350">
-                <a:solidFill>
-                  <a:schemeClr val="tx1"/>
-                </a:solidFill>
-              </a:ln>
-            </p:spPr>
-            <p:style>
-              <a:lnRef idx="2">
-                <a:schemeClr val="accent1">
-                  <a:shade val="50000"/>
-                </a:schemeClr>
-              </a:lnRef>
-              <a:fillRef idx="1">
-                <a:schemeClr val="accent1"/>
-              </a:fillRef>
-              <a:effectRef idx="0">
-                <a:schemeClr val="accent1"/>
-              </a:effectRef>
-              <a:fontRef idx="minor">
-                <a:schemeClr val="lt1"/>
-              </a:fontRef>
-            </p:style>
-            <p:txBody>
-              <a:bodyPr rtlCol="0" anchor="ctr"/>
-              <a:lstStyle/>
-              <a:p>
-                <a:pPr algn="ctr"/>
-                <a14:m>
-                  <m:oMathPara xmlns:m="http://schemas.openxmlformats.org/officeDocument/2006/math">
-                    <m:oMathParaPr>
-                      <m:jc m:val="centerGroup"/>
-                    </m:oMathParaPr>
-                    <m:oMath xmlns:m="http://schemas.openxmlformats.org/officeDocument/2006/math">
-                      <m:r>
-                        <a:rPr kumimoji="1" lang="en-US" altLang="ja-JP" sz="1200" b="0" i="1" smtClean="0">
-                          <a:solidFill>
-                            <a:schemeClr val="tx1"/>
-                          </a:solidFill>
-                          <a:latin typeface="Cambria Math"/>
-                        </a:rPr>
-                        <m:t>𝐸𝑛𝑐</m:t>
-                      </m:r>
-                    </m:oMath>
-                  </m:oMathPara>
-                </a14:m>
-                <a:endParaRPr kumimoji="1" lang="ja-JP" altLang="en-US"/>
-              </a:p>
-            </p:txBody>
-          </p:sp>
-        </mc:Choice>
-        <mc:Fallback xmlns="">
-          <p:sp useBgFill="1">
-            <p:nvSpPr>
-              <p:cNvPr id="43" name="角丸四角形 42"/>
-              <p:cNvSpPr>
-                <a:spLocks noRot="1" noChangeAspect="1" noMove="1" noResize="1" noEditPoints="1" noAdjustHandles="1" noChangeArrowheads="1" noChangeShapeType="1" noTextEdit="1"/>
-              </p:cNvSpPr>
-              <p:nvPr/>
-            </p:nvSpPr>
-            <p:spPr>
-              <a:xfrm>
-                <a:off x="704879" y="2002116"/>
-                <a:ext cx="360040" cy="216024"/>
-              </a:xfrm>
-              <a:prstGeom prst="roundRect">
-                <a:avLst/>
-              </a:prstGeom>
-              <a:blipFill rotWithShape="1">
-                <a:blip r:embed="rId6"/>
-                <a:stretch>
-                  <a:fillRect l="-5000"/>
-                </a:stretch>
-              </a:blipFill>
-              <a:ln w="6350">
-                <a:solidFill>
-                  <a:schemeClr val="tx1"/>
-                </a:solidFill>
-              </a:ln>
-            </p:spPr>
-            <p:txBody>
-              <a:bodyPr/>
-              <a:lstStyle/>
-              <a:p>
-                <a:r>
-                  <a:rPr lang="ja-JP" altLang="en-US">
-                    <a:noFill/>
-                  </a:rPr>
-                  <a:t> </a:t>
-                </a:r>
-              </a:p>
-            </p:txBody>
-          </p:sp>
-        </mc:Fallback>
-      </mc:AlternateContent>
+      <p:sp useBgFill="1">
+        <p:nvSpPr>
+          <p:cNvPr id="43" name="角丸四角形 42"/>
+          <p:cNvSpPr/>
+          <p:nvPr/>
+        </p:nvSpPr>
+        <p:spPr>
+          <a:xfrm>
+            <a:off x="704879" y="2002116"/>
+            <a:ext cx="360040" cy="216024"/>
+          </a:xfrm>
+          <a:prstGeom prst="roundRect">
+            <a:avLst/>
+          </a:prstGeom>
+          <a:ln w="6350">
+            <a:solidFill>
+              <a:schemeClr val="tx1"/>
+            </a:solidFill>
+          </a:ln>
+        </p:spPr>
+        <p:style>
+          <a:lnRef idx="2">
+            <a:schemeClr val="accent1">
+              <a:shade val="50000"/>
+            </a:schemeClr>
+          </a:lnRef>
+          <a:fillRef idx="1">
+            <a:schemeClr val="accent1"/>
+          </a:fillRef>
+          <a:effectRef idx="0">
+            <a:schemeClr val="accent1"/>
+          </a:effectRef>
+          <a:fontRef idx="minor">
+            <a:schemeClr val="lt1"/>
+          </a:fontRef>
+        </p:style>
+        <p:txBody>
+          <a:bodyPr rtlCol="0" anchor="ctr"/>
+          <a:lstStyle/>
+          <a:p>
+            <a:pPr algn="ctr"/>
+            <a:endParaRPr kumimoji="1" lang="ja-JP" altLang="en-US" sz="1050"/>
+          </a:p>
+        </p:txBody>
+      </p:sp>
       <p:cxnSp>
         <p:nvCxnSpPr>
           <p:cNvPr id="48" name="直線矢印コネクタ 47"/>
@@ -2601,8 +2536,8 @@
         </p:nvCxnSpPr>
         <p:spPr>
           <a:xfrm flipH="1">
-            <a:off x="1255052" y="1498059"/>
-            <a:ext cx="3280" cy="519450"/>
+            <a:off x="1255052" y="1474976"/>
+            <a:ext cx="3280" cy="542533"/>
           </a:xfrm>
           <a:prstGeom prst="straightConnector1">
             <a:avLst/>
@@ -2667,8 +2602,8 @@
           </a:fontRef>
         </p:style>
       </p:cxnSp>
-      <mc:AlternateContent xmlns:mc="http://schemas.openxmlformats.org/markup-compatibility/2006" xmlns:a14="http://schemas.microsoft.com/office/drawing/2010/main">
-        <mc:Choice Requires="a14">
+      <mc:AlternateContent xmlns:mc="http://schemas.openxmlformats.org/markup-compatibility/2006">
+        <mc:Choice xmlns:a14="http://schemas.microsoft.com/office/drawing/2010/main" Requires="a14">
           <p:sp>
             <p:nvSpPr>
               <p:cNvPr id="42" name="テキスト ボックス 41"/>
@@ -2677,8 +2612,8 @@
             </p:nvSpPr>
             <p:spPr>
               <a:xfrm>
-                <a:off x="1421904" y="1550579"/>
-                <a:ext cx="451551" cy="228183"/>
+                <a:off x="1421904" y="1555931"/>
+                <a:ext cx="451551" cy="205100"/>
               </a:xfrm>
               <a:prstGeom prst="rect">
                 <a:avLst/>
@@ -2705,7 +2640,7 @@
                     </m:oMathParaPr>
                     <m:oMath xmlns:m="http://schemas.openxmlformats.org/officeDocument/2006/math">
                       <m:r>
-                        <a:rPr lang="en-US" altLang="ja-JP" sz="1200" b="0" i="1" smtClean="0">
+                        <a:rPr lang="en-US" altLang="ja-JP" sz="1050" b="0" i="1" smtClean="0">
                           <a:latin typeface="Cambria Math"/>
                           <a:ea typeface="HG丸ｺﾞｼｯｸM-PRO" panose="020F0600000000000000" pitchFamily="50" charset="-128"/>
                           <a:cs typeface="Courier New" pitchFamily="49" charset="0"/>
@@ -2713,7 +2648,7 @@
                         <m:t>𝑠</m:t>
                       </m:r>
                       <m:r>
-                        <a:rPr lang="en-US" altLang="ja-JP" sz="1200" b="0" i="1" smtClean="0">
+                        <a:rPr lang="en-US" altLang="ja-JP" sz="1050" b="0" i="1" smtClean="0">
                           <a:latin typeface="Cambria Math"/>
                           <a:ea typeface="HG丸ｺﾞｼｯｸM-PRO" panose="020F0600000000000000" pitchFamily="50" charset="-128"/>
                           <a:cs typeface="Courier New" pitchFamily="49" charset="0"/>
@@ -2723,7 +2658,7 @@
                     </m:oMath>
                   </m:oMathPara>
                 </a14:m>
-                <a:endParaRPr lang="ja-JP" altLang="en-US" sz="1200">
+                <a:endParaRPr lang="ja-JP" altLang="en-US" sz="1050">
                   <a:latin typeface="HG丸ｺﾞｼｯｸM-PRO" panose="020F0600000000000000" pitchFamily="50" charset="-128"/>
                   <a:ea typeface="HG丸ｺﾞｼｯｸM-PRO" panose="020F0600000000000000" pitchFamily="50" charset="-128"/>
                   <a:cs typeface="Courier New" pitchFamily="49" charset="0"/>
@@ -2732,7 +2667,7 @@
             </p:txBody>
           </p:sp>
         </mc:Choice>
-        <mc:Fallback xmlns="">
+        <mc:Fallback>
           <p:sp>
             <p:nvSpPr>
               <p:cNvPr id="42" name="テキスト ボックス 41"/>
@@ -2743,16 +2678,16 @@
             </p:nvSpPr>
             <p:spPr>
               <a:xfrm>
-                <a:off x="1421904" y="1550579"/>
-                <a:ext cx="451551" cy="228183"/>
+                <a:off x="1421904" y="1555931"/>
+                <a:ext cx="451551" cy="205100"/>
               </a:xfrm>
               <a:prstGeom prst="rect">
                 <a:avLst/>
               </a:prstGeom>
               <a:blipFill rotWithShape="1">
-                <a:blip r:embed="rId7"/>
+                <a:blip r:embed="rId6"/>
                 <a:stretch>
-                  <a:fillRect b="-15000"/>
+                  <a:fillRect b="-16667"/>
                 </a:stretch>
               </a:blipFill>
               <a:ln w="9525" cap="rnd">
@@ -2777,8 +2712,8 @@
           </p:sp>
         </mc:Fallback>
       </mc:AlternateContent>
-      <mc:AlternateContent xmlns:mc="http://schemas.openxmlformats.org/markup-compatibility/2006" xmlns:a14="http://schemas.microsoft.com/office/drawing/2010/main">
-        <mc:Choice Requires="a14">
+      <mc:AlternateContent xmlns:mc="http://schemas.openxmlformats.org/markup-compatibility/2006">
+        <mc:Choice xmlns:a14="http://schemas.microsoft.com/office/drawing/2010/main" Requires="a14">
           <p:sp>
             <p:nvSpPr>
               <p:cNvPr id="44" name="テキスト ボックス 43"/>
@@ -2788,7 +2723,7 @@
             <p:spPr>
               <a:xfrm>
                 <a:off x="1886847" y="1264524"/>
-                <a:ext cx="327145" cy="228183"/>
+                <a:ext cx="327145" cy="205100"/>
               </a:xfrm>
               <a:prstGeom prst="rect">
                 <a:avLst/>
@@ -2817,7 +2752,7 @@
                       <m:sSub>
                         <m:sSubPr>
                           <m:ctrlPr>
-                            <a:rPr lang="en-US" altLang="ja-JP" sz="1200" b="0" i="1" smtClean="0">
+                            <a:rPr lang="en-US" altLang="ja-JP" sz="1050" b="0" i="1" smtClean="0">
                               <a:latin typeface="Cambria Math"/>
                               <a:ea typeface="ＭＳ ゴシック" pitchFamily="49" charset="-128"/>
                               <a:cs typeface="Courier New" pitchFamily="49" charset="0"/>
@@ -2826,7 +2761,7 @@
                         </m:sSubPr>
                         <m:e>
                           <m:r>
-                            <a:rPr lang="en-US" altLang="ja-JP" sz="1200" b="0" i="1" smtClean="0">
+                            <a:rPr lang="en-US" altLang="ja-JP" sz="1050" b="0" i="1" smtClean="0">
                               <a:latin typeface="Cambria Math"/>
                               <a:ea typeface="ＭＳ ゴシック" pitchFamily="49" charset="-128"/>
                               <a:cs typeface="Courier New" pitchFamily="49" charset="0"/>
@@ -2836,7 +2771,7 @@
                         </m:e>
                         <m:sub>
                           <m:r>
-                            <a:rPr lang="en-US" altLang="ja-JP" sz="1200" b="0" i="1" smtClean="0">
+                            <a:rPr lang="en-US" altLang="ja-JP" sz="1050" b="0" i="1" smtClean="0">
                               <a:latin typeface="Cambria Math"/>
                               <a:ea typeface="ＭＳ ゴシック" pitchFamily="49" charset="-128"/>
                               <a:cs typeface="Courier New" pitchFamily="49" charset="0"/>
@@ -2848,7 +2783,7 @@
                     </m:oMath>
                   </m:oMathPara>
                 </a14:m>
-                <a:endParaRPr lang="ja-JP" altLang="en-US" sz="1200">
+                <a:endParaRPr lang="ja-JP" altLang="en-US" sz="1050">
                   <a:latin typeface="Courier New" pitchFamily="49" charset="0"/>
                   <a:ea typeface="ＭＳ ゴシック" pitchFamily="49" charset="-128"/>
                   <a:cs typeface="Courier New" pitchFamily="49" charset="0"/>
@@ -2857,7 +2792,7 @@
             </p:txBody>
           </p:sp>
         </mc:Choice>
-        <mc:Fallback xmlns="">
+        <mc:Fallback>
           <p:sp>
             <p:nvSpPr>
               <p:cNvPr id="44" name="テキスト ボックス 43"/>
@@ -2869,13 +2804,13 @@
             <p:spPr>
               <a:xfrm>
                 <a:off x="1886847" y="1264524"/>
-                <a:ext cx="327145" cy="228183"/>
+                <a:ext cx="327145" cy="205100"/>
               </a:xfrm>
               <a:prstGeom prst="rect">
                 <a:avLst/>
               </a:prstGeom>
               <a:blipFill rotWithShape="1">
-                <a:blip r:embed="rId8"/>
+                <a:blip r:embed="rId7"/>
                 <a:stretch>
                   <a:fillRect/>
                 </a:stretch>
@@ -2902,8 +2837,8 @@
           </p:sp>
         </mc:Fallback>
       </mc:AlternateContent>
-      <mc:AlternateContent xmlns:mc="http://schemas.openxmlformats.org/markup-compatibility/2006" xmlns:a14="http://schemas.microsoft.com/office/drawing/2010/main">
-        <mc:Choice Requires="a14">
+      <mc:AlternateContent xmlns:mc="http://schemas.openxmlformats.org/markup-compatibility/2006">
+        <mc:Choice xmlns:a14="http://schemas.microsoft.com/office/drawing/2010/main" Requires="a14">
           <p:sp>
             <p:nvSpPr>
               <p:cNvPr id="45" name="テキスト ボックス 44"/>
@@ -2912,8 +2847,8 @@
             </p:nvSpPr>
             <p:spPr>
               <a:xfrm>
-                <a:off x="1886847" y="1996764"/>
-                <a:ext cx="327145" cy="228183"/>
+                <a:off x="1886847" y="2017063"/>
+                <a:ext cx="327145" cy="205100"/>
               </a:xfrm>
               <a:prstGeom prst="rect">
                 <a:avLst/>
@@ -2938,7 +2873,7 @@
                     </m:oMathParaPr>
                     <m:oMath xmlns:m="http://schemas.openxmlformats.org/officeDocument/2006/math">
                       <m:r>
-                        <a:rPr lang="en-US" altLang="ja-JP" sz="1200" b="0" i="1" smtClean="0">
+                        <a:rPr lang="en-US" altLang="ja-JP" sz="1050" b="0" i="1" smtClean="0">
                           <a:latin typeface="Cambria Math"/>
                           <a:ea typeface="ＭＳ ゴシック" pitchFamily="49" charset="-128"/>
                           <a:cs typeface="Courier New" pitchFamily="49" charset="0"/>
@@ -2948,7 +2883,7 @@
                     </m:oMath>
                   </m:oMathPara>
                 </a14:m>
-                <a:endParaRPr lang="ja-JP" altLang="en-US" sz="1200">
+                <a:endParaRPr lang="ja-JP" altLang="en-US" sz="1050">
                   <a:latin typeface="Courier New" pitchFamily="49" charset="0"/>
                   <a:ea typeface="ＭＳ ゴシック" pitchFamily="49" charset="-128"/>
                   <a:cs typeface="Courier New" pitchFamily="49" charset="0"/>
@@ -2957,7 +2892,7 @@
             </p:txBody>
           </p:sp>
         </mc:Choice>
-        <mc:Fallback xmlns="">
+        <mc:Fallback>
           <p:sp>
             <p:nvSpPr>
               <p:cNvPr id="45" name="テキスト ボックス 44"/>
@@ -2968,16 +2903,16 @@
             </p:nvSpPr>
             <p:spPr>
               <a:xfrm>
-                <a:off x="1886847" y="1996764"/>
-                <a:ext cx="327145" cy="228183"/>
+                <a:off x="1886847" y="2017063"/>
+                <a:ext cx="327145" cy="205100"/>
               </a:xfrm>
               <a:prstGeom prst="rect">
                 <a:avLst/>
               </a:prstGeom>
               <a:blipFill rotWithShape="1">
-                <a:blip r:embed="rId9"/>
+                <a:blip r:embed="rId4"/>
                 <a:stretch>
-                  <a:fillRect b="-5405"/>
+                  <a:fillRect b="-5882"/>
                 </a:stretch>
               </a:blipFill>
               <a:ln w="9525" cap="rnd">
@@ -3037,8 +2972,8 @@
           </a:fontRef>
         </p:style>
       </p:cxnSp>
-      <mc:AlternateContent xmlns:mc="http://schemas.openxmlformats.org/markup-compatibility/2006" xmlns:a14="http://schemas.microsoft.com/office/drawing/2010/main">
-        <mc:Choice Requires="a14">
+      <mc:AlternateContent xmlns:mc="http://schemas.openxmlformats.org/markup-compatibility/2006">
+        <mc:Choice xmlns:a14="http://schemas.microsoft.com/office/drawing/2010/main" Requires="a14">
           <p:sp>
             <p:nvSpPr>
               <p:cNvPr id="49" name="テキスト ボックス 48"/>
@@ -3047,8 +2982,8 @@
             </p:nvSpPr>
             <p:spPr>
               <a:xfrm>
-                <a:off x="1886847" y="2409845"/>
-                <a:ext cx="327145" cy="228183"/>
+                <a:off x="1886847" y="2388979"/>
+                <a:ext cx="327145" cy="205100"/>
               </a:xfrm>
               <a:prstGeom prst="rect">
                 <a:avLst/>
@@ -3077,7 +3012,7 @@
                       <m:sSub>
                         <m:sSubPr>
                           <m:ctrlPr>
-                            <a:rPr lang="en-US" altLang="ja-JP" sz="1200" b="0" i="1" smtClean="0">
+                            <a:rPr lang="en-US" altLang="ja-JP" sz="1050" b="0" i="1" smtClean="0">
                               <a:latin typeface="Cambria Math"/>
                               <a:ea typeface="ＭＳ ゴシック" pitchFamily="49" charset="-128"/>
                               <a:cs typeface="Courier New" pitchFamily="49" charset="0"/>
@@ -3086,7 +3021,7 @@
                         </m:sSubPr>
                         <m:e>
                           <m:r>
-                            <a:rPr lang="en-US" altLang="ja-JP" sz="1200" b="0" i="1" smtClean="0">
+                            <a:rPr lang="en-US" altLang="ja-JP" sz="1050" b="0" i="1" smtClean="0">
                               <a:latin typeface="Cambria Math"/>
                               <a:ea typeface="ＭＳ ゴシック" pitchFamily="49" charset="-128"/>
                               <a:cs typeface="Courier New" pitchFamily="49" charset="0"/>
@@ -3096,7 +3031,7 @@
                         </m:e>
                         <m:sub>
                           <m:r>
-                            <a:rPr lang="en-US" altLang="ja-JP" sz="1200" b="0" i="1" smtClean="0">
+                            <a:rPr lang="en-US" altLang="ja-JP" sz="1050" b="0" i="1" smtClean="0">
                               <a:latin typeface="Cambria Math"/>
                               <a:ea typeface="ＭＳ ゴシック" pitchFamily="49" charset="-128"/>
                               <a:cs typeface="Courier New" pitchFamily="49" charset="0"/>
@@ -3108,7 +3043,7 @@
                     </m:oMath>
                   </m:oMathPara>
                 </a14:m>
-                <a:endParaRPr lang="ja-JP" altLang="en-US" sz="1200">
+                <a:endParaRPr lang="ja-JP" altLang="en-US" sz="1050">
                   <a:latin typeface="Courier New" pitchFamily="49" charset="0"/>
                   <a:ea typeface="ＭＳ ゴシック" pitchFamily="49" charset="-128"/>
                   <a:cs typeface="Courier New" pitchFamily="49" charset="0"/>
@@ -3117,7 +3052,7 @@
             </p:txBody>
           </p:sp>
         </mc:Choice>
-        <mc:Fallback xmlns="">
+        <mc:Fallback>
           <p:sp>
             <p:nvSpPr>
               <p:cNvPr id="49" name="テキスト ボックス 48"/>
@@ -3128,14 +3063,14 @@
             </p:nvSpPr>
             <p:spPr>
               <a:xfrm>
-                <a:off x="1886847" y="2409845"/>
-                <a:ext cx="327145" cy="228183"/>
+                <a:off x="1886847" y="2388979"/>
+                <a:ext cx="327145" cy="205100"/>
               </a:xfrm>
               <a:prstGeom prst="rect">
                 <a:avLst/>
               </a:prstGeom>
               <a:blipFill rotWithShape="1">
-                <a:blip r:embed="rId10"/>
+                <a:blip r:embed="rId8"/>
                 <a:stretch>
                   <a:fillRect/>
                 </a:stretch>
@@ -3162,116 +3097,51 @@
           </p:sp>
         </mc:Fallback>
       </mc:AlternateContent>
-      <mc:AlternateContent xmlns:mc="http://schemas.openxmlformats.org/markup-compatibility/2006" xmlns:a14="http://schemas.microsoft.com/office/drawing/2010/main">
-        <mc:Choice Requires="a14">
-          <p:sp useBgFill="1">
-            <p:nvSpPr>
-              <p:cNvPr id="51" name="角丸四角形 50"/>
-              <p:cNvSpPr/>
-              <p:nvPr/>
-            </p:nvSpPr>
-            <p:spPr>
-              <a:xfrm>
-                <a:off x="1496967" y="1996764"/>
-                <a:ext cx="360040" cy="216024"/>
-              </a:xfrm>
-              <a:prstGeom prst="roundRect">
-                <a:avLst/>
-              </a:prstGeom>
-              <a:ln w="6350">
-                <a:solidFill>
-                  <a:schemeClr val="tx1"/>
-                </a:solidFill>
-              </a:ln>
-            </p:spPr>
-            <p:style>
-              <a:lnRef idx="2">
-                <a:schemeClr val="accent1">
-                  <a:shade val="50000"/>
-                </a:schemeClr>
-              </a:lnRef>
-              <a:fillRef idx="1">
-                <a:schemeClr val="accent1"/>
-              </a:fillRef>
-              <a:effectRef idx="0">
-                <a:schemeClr val="accent1"/>
-              </a:effectRef>
-              <a:fontRef idx="minor">
-                <a:schemeClr val="lt1"/>
-              </a:fontRef>
-            </p:style>
-            <p:txBody>
-              <a:bodyPr rtlCol="0" anchor="ctr"/>
-              <a:lstStyle/>
-              <a:p>
-                <a:pPr algn="ctr"/>
-                <a14:m>
-                  <m:oMathPara xmlns:m="http://schemas.openxmlformats.org/officeDocument/2006/math">
-                    <m:oMathParaPr>
-                      <m:jc m:val="centerGroup"/>
-                    </m:oMathParaPr>
-                    <m:oMath xmlns:m="http://schemas.openxmlformats.org/officeDocument/2006/math">
-                      <m:r>
-                        <a:rPr kumimoji="1" lang="en-US" altLang="ja-JP" sz="1200" b="0" i="1" smtClean="0">
-                          <a:solidFill>
-                            <a:schemeClr val="tx1"/>
-                          </a:solidFill>
-                          <a:latin typeface="Cambria Math"/>
-                        </a:rPr>
-                        <m:t>𝐸𝑛𝑐</m:t>
-                      </m:r>
-                    </m:oMath>
-                  </m:oMathPara>
-                </a14:m>
-                <a:endParaRPr kumimoji="1" lang="ja-JP" altLang="en-US"/>
-              </a:p>
-            </p:txBody>
-          </p:sp>
-        </mc:Choice>
-        <mc:Fallback xmlns="">
-          <p:sp useBgFill="1">
-            <p:nvSpPr>
-              <p:cNvPr id="51" name="角丸四角形 50"/>
-              <p:cNvSpPr>
-                <a:spLocks noRot="1" noChangeAspect="1" noMove="1" noResize="1" noEditPoints="1" noAdjustHandles="1" noChangeArrowheads="1" noChangeShapeType="1" noTextEdit="1"/>
-              </p:cNvSpPr>
-              <p:nvPr/>
-            </p:nvSpPr>
-            <p:spPr>
-              <a:xfrm>
-                <a:off x="1496967" y="1996764"/>
-                <a:ext cx="360040" cy="216024"/>
-              </a:xfrm>
-              <a:prstGeom prst="roundRect">
-                <a:avLst/>
-              </a:prstGeom>
-              <a:blipFill rotWithShape="1">
-                <a:blip r:embed="rId11"/>
-                <a:stretch>
-                  <a:fillRect l="-5000"/>
-                </a:stretch>
-              </a:blipFill>
-              <a:ln w="6350">
-                <a:solidFill>
-                  <a:schemeClr val="tx1"/>
-                </a:solidFill>
-              </a:ln>
-            </p:spPr>
-            <p:txBody>
-              <a:bodyPr/>
-              <a:lstStyle/>
-              <a:p>
-                <a:r>
-                  <a:rPr lang="ja-JP" altLang="en-US">
-                    <a:noFill/>
-                  </a:rPr>
-                  <a:t> </a:t>
-                </a:r>
-              </a:p>
-            </p:txBody>
-          </p:sp>
-        </mc:Fallback>
-      </mc:AlternateContent>
+      <p:sp useBgFill="1">
+        <p:nvSpPr>
+          <p:cNvPr id="51" name="角丸四角形 50"/>
+          <p:cNvSpPr/>
+          <p:nvPr/>
+        </p:nvSpPr>
+        <p:spPr>
+          <a:xfrm>
+            <a:off x="1496967" y="1996764"/>
+            <a:ext cx="360040" cy="216024"/>
+          </a:xfrm>
+          <a:prstGeom prst="roundRect">
+            <a:avLst/>
+          </a:prstGeom>
+          <a:ln w="6350">
+            <a:solidFill>
+              <a:schemeClr val="tx1"/>
+            </a:solidFill>
+          </a:ln>
+        </p:spPr>
+        <p:style>
+          <a:lnRef idx="2">
+            <a:schemeClr val="accent1">
+              <a:shade val="50000"/>
+            </a:schemeClr>
+          </a:lnRef>
+          <a:fillRef idx="1">
+            <a:schemeClr val="accent1"/>
+          </a:fillRef>
+          <a:effectRef idx="0">
+            <a:schemeClr val="accent1"/>
+          </a:effectRef>
+          <a:fontRef idx="minor">
+            <a:schemeClr val="lt1"/>
+          </a:fontRef>
+        </p:style>
+        <p:txBody>
+          <a:bodyPr rtlCol="0" anchor="ctr"/>
+          <a:lstStyle/>
+          <a:p>
+            <a:pPr algn="ctr"/>
+            <a:endParaRPr kumimoji="1" lang="ja-JP" altLang="en-US" sz="1050"/>
+          </a:p>
+        </p:txBody>
+      </p:sp>
       <p:cxnSp>
         <p:nvCxnSpPr>
           <p:cNvPr id="53" name="直線矢印コネクタ 52"/>
@@ -3319,8 +3189,8 @@
         </p:nvCxnSpPr>
         <p:spPr>
           <a:xfrm flipH="1">
-            <a:off x="2047140" y="1492707"/>
-            <a:ext cx="3280" cy="519450"/>
+            <a:off x="2047140" y="1469624"/>
+            <a:ext cx="3280" cy="542533"/>
           </a:xfrm>
           <a:prstGeom prst="straightConnector1">
             <a:avLst/>
@@ -3385,8 +3255,8 @@
           </a:fontRef>
         </p:style>
       </p:cxnSp>
-      <mc:AlternateContent xmlns:mc="http://schemas.openxmlformats.org/markup-compatibility/2006" xmlns:a14="http://schemas.microsoft.com/office/drawing/2010/main">
-        <mc:Choice Requires="a14">
+      <mc:AlternateContent xmlns:mc="http://schemas.openxmlformats.org/markup-compatibility/2006">
+        <mc:Choice xmlns:a14="http://schemas.microsoft.com/office/drawing/2010/main" Requires="a14">
           <p:sp>
             <p:nvSpPr>
               <p:cNvPr id="57" name="テキスト ボックス 56"/>
@@ -3395,8 +3265,8 @@
             </p:nvSpPr>
             <p:spPr>
               <a:xfrm>
-                <a:off x="2213992" y="1550579"/>
-                <a:ext cx="451551" cy="228183"/>
+                <a:off x="2213992" y="1555931"/>
+                <a:ext cx="451551" cy="205100"/>
               </a:xfrm>
               <a:prstGeom prst="rect">
                 <a:avLst/>
@@ -3423,7 +3293,7 @@
                     </m:oMathParaPr>
                     <m:oMath xmlns:m="http://schemas.openxmlformats.org/officeDocument/2006/math">
                       <m:r>
-                        <a:rPr lang="en-US" altLang="ja-JP" sz="1200" b="0" i="1" smtClean="0">
+                        <a:rPr lang="en-US" altLang="ja-JP" sz="1050" b="0" i="1" smtClean="0">
                           <a:latin typeface="Cambria Math"/>
                           <a:ea typeface="HG丸ｺﾞｼｯｸM-PRO" panose="020F0600000000000000" pitchFamily="50" charset="-128"/>
                           <a:cs typeface="Courier New" pitchFamily="49" charset="0"/>
@@ -3431,7 +3301,7 @@
                         <m:t>𝑠</m:t>
                       </m:r>
                       <m:r>
-                        <a:rPr lang="en-US" altLang="ja-JP" sz="1200" b="0" i="1" smtClean="0">
+                        <a:rPr lang="en-US" altLang="ja-JP" sz="1050" b="0" i="1" smtClean="0">
                           <a:latin typeface="Cambria Math"/>
                           <a:ea typeface="HG丸ｺﾞｼｯｸM-PRO" panose="020F0600000000000000" pitchFamily="50" charset="-128"/>
                           <a:cs typeface="Courier New" pitchFamily="49" charset="0"/>
@@ -3441,7 +3311,7 @@
                     </m:oMath>
                   </m:oMathPara>
                 </a14:m>
-                <a:endParaRPr lang="ja-JP" altLang="en-US" sz="1200">
+                <a:endParaRPr lang="ja-JP" altLang="en-US" sz="1050">
                   <a:latin typeface="HG丸ｺﾞｼｯｸM-PRO" panose="020F0600000000000000" pitchFamily="50" charset="-128"/>
                   <a:ea typeface="HG丸ｺﾞｼｯｸM-PRO" panose="020F0600000000000000" pitchFamily="50" charset="-128"/>
                   <a:cs typeface="Courier New" pitchFamily="49" charset="0"/>
@@ -3450,7 +3320,7 @@
             </p:txBody>
           </p:sp>
         </mc:Choice>
-        <mc:Fallback xmlns="">
+        <mc:Fallback>
           <p:sp>
             <p:nvSpPr>
               <p:cNvPr id="57" name="テキスト ボックス 56"/>
@@ -3461,16 +3331,16 @@
             </p:nvSpPr>
             <p:spPr>
               <a:xfrm>
-                <a:off x="2213992" y="1550579"/>
-                <a:ext cx="451551" cy="228183"/>
+                <a:off x="2213992" y="1555931"/>
+                <a:ext cx="451551" cy="205100"/>
               </a:xfrm>
               <a:prstGeom prst="rect">
                 <a:avLst/>
               </a:prstGeom>
               <a:blipFill rotWithShape="1">
-                <a:blip r:embed="rId12"/>
+                <a:blip r:embed="rId9"/>
                 <a:stretch>
-                  <a:fillRect b="-15000"/>
+                  <a:fillRect b="-16667"/>
                 </a:stretch>
               </a:blipFill>
               <a:ln w="9525" cap="rnd">
@@ -3506,7 +3376,7 @@
             <p:spPr>
               <a:xfrm>
                 <a:off x="2678935" y="1264524"/>
-                <a:ext cx="327145" cy="228183"/>
+                <a:ext cx="327145" cy="205100"/>
               </a:xfrm>
               <a:prstGeom prst="rect">
                 <a:avLst/>
@@ -3535,7 +3405,7 @@
                       <m:sSub>
                         <m:sSubPr>
                           <m:ctrlPr>
-                            <a:rPr lang="en-US" altLang="ja-JP" sz="1200" b="0" i="1" smtClean="0">
+                            <a:rPr lang="en-US" altLang="ja-JP" sz="1050" b="0" i="1" smtClean="0">
                               <a:latin typeface="Cambria Math"/>
                               <a:ea typeface="ＭＳ ゴシック" pitchFamily="49" charset="-128"/>
                               <a:cs typeface="Courier New" pitchFamily="49" charset="0"/>
@@ -3544,7 +3414,7 @@
                         </m:sSubPr>
                         <m:e>
                           <m:r>
-                            <a:rPr lang="en-US" altLang="ja-JP" sz="1200" b="0" i="1" smtClean="0">
+                            <a:rPr lang="en-US" altLang="ja-JP" sz="1050" b="0" i="1" smtClean="0">
                               <a:latin typeface="Cambria Math"/>
                               <a:ea typeface="ＭＳ ゴシック" pitchFamily="49" charset="-128"/>
                               <a:cs typeface="Courier New" pitchFamily="49" charset="0"/>
@@ -3554,7 +3424,7 @@
                         </m:e>
                         <m:sub>
                           <m:r>
-                            <a:rPr lang="en-US" altLang="ja-JP" sz="1200" b="0" i="1" smtClean="0">
+                            <a:rPr lang="en-US" altLang="ja-JP" sz="1050" b="0" i="1" smtClean="0">
                               <a:latin typeface="Cambria Math"/>
                               <a:ea typeface="ＭＳ ゴシック" pitchFamily="49" charset="-128"/>
                               <a:cs typeface="Courier New" pitchFamily="49" charset="0"/>
@@ -3566,7 +3436,7 @@
                     </m:oMath>
                   </m:oMathPara>
                 </a14:m>
-                <a:endParaRPr lang="ja-JP" altLang="en-US" sz="1200">
+                <a:endParaRPr lang="ja-JP" altLang="en-US" sz="1050">
                   <a:latin typeface="Courier New" pitchFamily="49" charset="0"/>
                   <a:ea typeface="ＭＳ ゴシック" pitchFamily="49" charset="-128"/>
                   <a:cs typeface="Courier New" pitchFamily="49" charset="0"/>
@@ -3587,13 +3457,13 @@
             <p:spPr>
               <a:xfrm>
                 <a:off x="2678935" y="1264524"/>
-                <a:ext cx="327145" cy="228183"/>
+                <a:ext cx="327145" cy="205100"/>
               </a:xfrm>
               <a:prstGeom prst="rect">
                 <a:avLst/>
               </a:prstGeom>
               <a:blipFill rotWithShape="1">
-                <a:blip r:embed="rId13"/>
+                <a:blip r:embed="rId10"/>
                 <a:stretch>
                   <a:fillRect/>
                 </a:stretch>
@@ -3620,8 +3490,8 @@
           </p:sp>
         </mc:Fallback>
       </mc:AlternateContent>
-      <mc:AlternateContent xmlns:mc="http://schemas.openxmlformats.org/markup-compatibility/2006" xmlns:a14="http://schemas.microsoft.com/office/drawing/2010/main">
-        <mc:Choice Requires="a14">
+      <mc:AlternateContent xmlns:mc="http://schemas.openxmlformats.org/markup-compatibility/2006">
+        <mc:Choice xmlns:a14="http://schemas.microsoft.com/office/drawing/2010/main" Requires="a14">
           <p:sp>
             <p:nvSpPr>
               <p:cNvPr id="60" name="テキスト ボックス 59"/>
@@ -3630,8 +3500,8 @@
             </p:nvSpPr>
             <p:spPr>
               <a:xfrm>
-                <a:off x="2678935" y="1996764"/>
-                <a:ext cx="327145" cy="228183"/>
+                <a:off x="2678935" y="2017063"/>
+                <a:ext cx="327145" cy="205100"/>
               </a:xfrm>
               <a:prstGeom prst="rect">
                 <a:avLst/>
@@ -3656,7 +3526,7 @@
                     </m:oMathParaPr>
                     <m:oMath xmlns:m="http://schemas.openxmlformats.org/officeDocument/2006/math">
                       <m:r>
-                        <a:rPr lang="en-US" altLang="ja-JP" sz="1200" b="0" i="1" smtClean="0">
+                        <a:rPr lang="en-US" altLang="ja-JP" sz="1050" b="0" i="1" smtClean="0">
                           <a:latin typeface="Cambria Math"/>
                           <a:ea typeface="ＭＳ ゴシック" pitchFamily="49" charset="-128"/>
                           <a:cs typeface="Courier New" pitchFamily="49" charset="0"/>
@@ -3666,7 +3536,7 @@
                     </m:oMath>
                   </m:oMathPara>
                 </a14:m>
-                <a:endParaRPr lang="ja-JP" altLang="en-US" sz="1200">
+                <a:endParaRPr lang="ja-JP" altLang="en-US" sz="1050">
                   <a:latin typeface="Courier New" pitchFamily="49" charset="0"/>
                   <a:ea typeface="ＭＳ ゴシック" pitchFamily="49" charset="-128"/>
                   <a:cs typeface="Courier New" pitchFamily="49" charset="0"/>
@@ -3675,7 +3545,7 @@
             </p:txBody>
           </p:sp>
         </mc:Choice>
-        <mc:Fallback xmlns="">
+        <mc:Fallback>
           <p:sp>
             <p:nvSpPr>
               <p:cNvPr id="60" name="テキスト ボックス 59"/>
@@ -3686,16 +3556,16 @@
             </p:nvSpPr>
             <p:spPr>
               <a:xfrm>
-                <a:off x="2678935" y="1996764"/>
-                <a:ext cx="327145" cy="228183"/>
+                <a:off x="2678935" y="2017063"/>
+                <a:ext cx="327145" cy="205100"/>
               </a:xfrm>
               <a:prstGeom prst="rect">
                 <a:avLst/>
               </a:prstGeom>
               <a:blipFill rotWithShape="1">
-                <a:blip r:embed="rId14"/>
+                <a:blip r:embed="rId11"/>
                 <a:stretch>
-                  <a:fillRect b="-5405"/>
+                  <a:fillRect b="-5882"/>
                 </a:stretch>
               </a:blipFill>
               <a:ln w="9525" cap="rnd">
@@ -3765,8 +3635,8 @@
             </p:nvSpPr>
             <p:spPr>
               <a:xfrm>
-                <a:off x="2678935" y="2409845"/>
-                <a:ext cx="327145" cy="228183"/>
+                <a:off x="2678935" y="2388979"/>
+                <a:ext cx="327145" cy="205100"/>
               </a:xfrm>
               <a:prstGeom prst="rect">
                 <a:avLst/>
@@ -3795,7 +3665,7 @@
                       <m:sSub>
                         <m:sSubPr>
                           <m:ctrlPr>
-                            <a:rPr lang="en-US" altLang="ja-JP" sz="1200" b="0" i="1" smtClean="0">
+                            <a:rPr lang="en-US" altLang="ja-JP" sz="1050" b="0" i="1" smtClean="0">
                               <a:latin typeface="Cambria Math"/>
                               <a:ea typeface="ＭＳ ゴシック" pitchFamily="49" charset="-128"/>
                               <a:cs typeface="Courier New" pitchFamily="49" charset="0"/>
@@ -3804,7 +3674,7 @@
                         </m:sSubPr>
                         <m:e>
                           <m:r>
-                            <a:rPr lang="en-US" altLang="ja-JP" sz="1200" b="0" i="1" smtClean="0">
+                            <a:rPr lang="en-US" altLang="ja-JP" sz="1050" b="0" i="1" smtClean="0">
                               <a:latin typeface="Cambria Math"/>
                               <a:ea typeface="ＭＳ ゴシック" pitchFamily="49" charset="-128"/>
                               <a:cs typeface="Courier New" pitchFamily="49" charset="0"/>
@@ -3814,7 +3684,7 @@
                         </m:e>
                         <m:sub>
                           <m:r>
-                            <a:rPr lang="en-US" altLang="ja-JP" sz="1200" b="0" i="1" smtClean="0">
+                            <a:rPr lang="en-US" altLang="ja-JP" sz="1050" b="0" i="1" smtClean="0">
                               <a:latin typeface="Cambria Math"/>
                               <a:ea typeface="ＭＳ ゴシック" pitchFamily="49" charset="-128"/>
                               <a:cs typeface="Courier New" pitchFamily="49" charset="0"/>
@@ -3826,7 +3696,7 @@
                     </m:oMath>
                   </m:oMathPara>
                 </a14:m>
-                <a:endParaRPr lang="ja-JP" altLang="en-US" sz="1200">
+                <a:endParaRPr lang="ja-JP" altLang="en-US" sz="1050">
                   <a:latin typeface="Courier New" pitchFamily="49" charset="0"/>
                   <a:ea typeface="ＭＳ ゴシック" pitchFamily="49" charset="-128"/>
                   <a:cs typeface="Courier New" pitchFamily="49" charset="0"/>
@@ -3846,14 +3716,14 @@
             </p:nvSpPr>
             <p:spPr>
               <a:xfrm>
-                <a:off x="2678935" y="2409845"/>
-                <a:ext cx="327145" cy="228183"/>
+                <a:off x="2678935" y="2388979"/>
+                <a:ext cx="327145" cy="205100"/>
               </a:xfrm>
               <a:prstGeom prst="rect">
                 <a:avLst/>
               </a:prstGeom>
               <a:blipFill rotWithShape="1">
-                <a:blip r:embed="rId15"/>
+                <a:blip r:embed="rId12"/>
                 <a:stretch>
                   <a:fillRect/>
                 </a:stretch>
@@ -3880,116 +3750,51 @@
           </p:sp>
         </mc:Fallback>
       </mc:AlternateContent>
-      <mc:AlternateContent xmlns:mc="http://schemas.openxmlformats.org/markup-compatibility/2006" xmlns:a14="http://schemas.microsoft.com/office/drawing/2010/main">
-        <mc:Choice Requires="a14">
-          <p:sp useBgFill="1">
-            <p:nvSpPr>
-              <p:cNvPr id="64" name="角丸四角形 63"/>
-              <p:cNvSpPr/>
-              <p:nvPr/>
-            </p:nvSpPr>
-            <p:spPr>
-              <a:xfrm>
-                <a:off x="2289055" y="1996764"/>
-                <a:ext cx="360040" cy="216024"/>
-              </a:xfrm>
-              <a:prstGeom prst="roundRect">
-                <a:avLst/>
-              </a:prstGeom>
-              <a:ln w="6350">
-                <a:solidFill>
-                  <a:schemeClr val="tx1"/>
-                </a:solidFill>
-              </a:ln>
-            </p:spPr>
-            <p:style>
-              <a:lnRef idx="2">
-                <a:schemeClr val="accent1">
-                  <a:shade val="50000"/>
-                </a:schemeClr>
-              </a:lnRef>
-              <a:fillRef idx="1">
-                <a:schemeClr val="accent1"/>
-              </a:fillRef>
-              <a:effectRef idx="0">
-                <a:schemeClr val="accent1"/>
-              </a:effectRef>
-              <a:fontRef idx="minor">
-                <a:schemeClr val="lt1"/>
-              </a:fontRef>
-            </p:style>
-            <p:txBody>
-              <a:bodyPr rtlCol="0" anchor="ctr"/>
-              <a:lstStyle/>
-              <a:p>
-                <a:pPr algn="ctr"/>
-                <a14:m>
-                  <m:oMathPara xmlns:m="http://schemas.openxmlformats.org/officeDocument/2006/math">
-                    <m:oMathParaPr>
-                      <m:jc m:val="centerGroup"/>
-                    </m:oMathParaPr>
-                    <m:oMath xmlns:m="http://schemas.openxmlformats.org/officeDocument/2006/math">
-                      <m:r>
-                        <a:rPr kumimoji="1" lang="en-US" altLang="ja-JP" sz="1200" b="0" i="1" smtClean="0">
-                          <a:solidFill>
-                            <a:schemeClr val="tx1"/>
-                          </a:solidFill>
-                          <a:latin typeface="Cambria Math"/>
-                        </a:rPr>
-                        <m:t>𝐸𝑛𝑐</m:t>
-                      </m:r>
-                    </m:oMath>
-                  </m:oMathPara>
-                </a14:m>
-                <a:endParaRPr kumimoji="1" lang="ja-JP" altLang="en-US"/>
-              </a:p>
-            </p:txBody>
-          </p:sp>
-        </mc:Choice>
-        <mc:Fallback xmlns="">
-          <p:sp useBgFill="1">
-            <p:nvSpPr>
-              <p:cNvPr id="64" name="角丸四角形 63"/>
-              <p:cNvSpPr>
-                <a:spLocks noRot="1" noChangeAspect="1" noMove="1" noResize="1" noEditPoints="1" noAdjustHandles="1" noChangeArrowheads="1" noChangeShapeType="1" noTextEdit="1"/>
-              </p:cNvSpPr>
-              <p:nvPr/>
-            </p:nvSpPr>
-            <p:spPr>
-              <a:xfrm>
-                <a:off x="2289055" y="1996764"/>
-                <a:ext cx="360040" cy="216024"/>
-              </a:xfrm>
-              <a:prstGeom prst="roundRect">
-                <a:avLst/>
-              </a:prstGeom>
-              <a:blipFill rotWithShape="1">
-                <a:blip r:embed="rId11"/>
-                <a:stretch>
-                  <a:fillRect l="-5000"/>
-                </a:stretch>
-              </a:blipFill>
-              <a:ln w="6350">
-                <a:solidFill>
-                  <a:schemeClr val="tx1"/>
-                </a:solidFill>
-              </a:ln>
-            </p:spPr>
-            <p:txBody>
-              <a:bodyPr/>
-              <a:lstStyle/>
-              <a:p>
-                <a:r>
-                  <a:rPr lang="ja-JP" altLang="en-US">
-                    <a:noFill/>
-                  </a:rPr>
-                  <a:t> </a:t>
-                </a:r>
-              </a:p>
-            </p:txBody>
-          </p:sp>
-        </mc:Fallback>
-      </mc:AlternateContent>
+      <p:sp useBgFill="1">
+        <p:nvSpPr>
+          <p:cNvPr id="64" name="角丸四角形 63"/>
+          <p:cNvSpPr/>
+          <p:nvPr/>
+        </p:nvSpPr>
+        <p:spPr>
+          <a:xfrm>
+            <a:off x="2289055" y="1996764"/>
+            <a:ext cx="360040" cy="216024"/>
+          </a:xfrm>
+          <a:prstGeom prst="roundRect">
+            <a:avLst/>
+          </a:prstGeom>
+          <a:ln w="6350">
+            <a:solidFill>
+              <a:schemeClr val="tx1"/>
+            </a:solidFill>
+          </a:ln>
+        </p:spPr>
+        <p:style>
+          <a:lnRef idx="2">
+            <a:schemeClr val="accent1">
+              <a:shade val="50000"/>
+            </a:schemeClr>
+          </a:lnRef>
+          <a:fillRef idx="1">
+            <a:schemeClr val="accent1"/>
+          </a:fillRef>
+          <a:effectRef idx="0">
+            <a:schemeClr val="accent1"/>
+          </a:effectRef>
+          <a:fontRef idx="minor">
+            <a:schemeClr val="lt1"/>
+          </a:fontRef>
+        </p:style>
+        <p:txBody>
+          <a:bodyPr rtlCol="0" anchor="ctr"/>
+          <a:lstStyle/>
+          <a:p>
+            <a:pPr algn="ctr"/>
+            <a:endParaRPr kumimoji="1" lang="ja-JP" altLang="en-US" sz="1050"/>
+          </a:p>
+        </p:txBody>
+      </p:sp>
       <p:cxnSp>
         <p:nvCxnSpPr>
           <p:cNvPr id="66" name="直線矢印コネクタ 65"/>
@@ -4000,8 +3805,8 @@
         </p:nvCxnSpPr>
         <p:spPr>
           <a:xfrm flipH="1">
-            <a:off x="2839228" y="1492707"/>
-            <a:ext cx="3280" cy="519450"/>
+            <a:off x="2839228" y="1469624"/>
+            <a:ext cx="3280" cy="542533"/>
           </a:xfrm>
           <a:prstGeom prst="straightConnector1">
             <a:avLst/>
@@ -4103,6 +3908,276 @@
           </a:fontRef>
         </p:style>
       </p:cxnSp>
+      <mc:AlternateContent xmlns:mc="http://schemas.openxmlformats.org/markup-compatibility/2006">
+        <mc:Choice xmlns:a14="http://schemas.microsoft.com/office/drawing/2010/main" Requires="a14">
+          <p:sp>
+            <p:nvSpPr>
+              <p:cNvPr id="30" name="テキスト ボックス 29"/>
+              <p:cNvSpPr txBox="1"/>
+              <p:nvPr/>
+            </p:nvSpPr>
+            <p:spPr>
+              <a:xfrm>
+                <a:off x="647630" y="1966483"/>
+                <a:ext cx="504056" cy="253916"/>
+              </a:xfrm>
+              <a:prstGeom prst="rect">
+                <a:avLst/>
+              </a:prstGeom>
+              <a:noFill/>
+            </p:spPr>
+            <p:txBody>
+              <a:bodyPr wrap="square" rtlCol="0">
+                <a:spAutoFit/>
+              </a:bodyPr>
+              <a:lstStyle/>
+              <a:p>
+                <a14:m>
+                  <m:oMathPara xmlns:m="http://schemas.openxmlformats.org/officeDocument/2006/math">
+                    <m:oMathParaPr>
+                      <m:jc m:val="centerGroup"/>
+                    </m:oMathParaPr>
+                    <m:oMath xmlns:m="http://schemas.openxmlformats.org/officeDocument/2006/math">
+                      <m:r>
+                        <m:rPr>
+                          <m:sty m:val="p"/>
+                        </m:rPr>
+                        <a:rPr kumimoji="1" lang="en-US" altLang="ja-JP" sz="1050" b="0" i="0" smtClean="0">
+                          <a:latin typeface="Cambria Math"/>
+                          <a:ea typeface="HG丸ｺﾞｼｯｸM-PRO" panose="020F0600000000000000" pitchFamily="50" charset="-128"/>
+                        </a:rPr>
+                        <m:t>Enc</m:t>
+                      </m:r>
+                    </m:oMath>
+                  </m:oMathPara>
+                </a14:m>
+                <a:endParaRPr kumimoji="1" lang="ja-JP" altLang="en-US" sz="1050">
+                  <a:latin typeface="HG丸ｺﾞｼｯｸM-PRO" panose="020F0600000000000000" pitchFamily="50" charset="-128"/>
+                  <a:ea typeface="HG丸ｺﾞｼｯｸM-PRO" panose="020F0600000000000000" pitchFamily="50" charset="-128"/>
+                </a:endParaRPr>
+              </a:p>
+            </p:txBody>
+          </p:sp>
+        </mc:Choice>
+        <mc:Fallback>
+          <p:sp>
+            <p:nvSpPr>
+              <p:cNvPr id="30" name="テキスト ボックス 29"/>
+              <p:cNvSpPr txBox="1">
+                <a:spLocks noRot="1" noChangeAspect="1" noMove="1" noResize="1" noEditPoints="1" noAdjustHandles="1" noChangeArrowheads="1" noChangeShapeType="1" noTextEdit="1"/>
+              </p:cNvSpPr>
+              <p:nvPr/>
+            </p:nvSpPr>
+            <p:spPr>
+              <a:xfrm>
+                <a:off x="647630" y="1966483"/>
+                <a:ext cx="504056" cy="253916"/>
+              </a:xfrm>
+              <a:prstGeom prst="rect">
+                <a:avLst/>
+              </a:prstGeom>
+              <a:blipFill rotWithShape="1">
+                <a:blip r:embed="rId13"/>
+                <a:stretch>
+                  <a:fillRect/>
+                </a:stretch>
+              </a:blipFill>
+            </p:spPr>
+            <p:txBody>
+              <a:bodyPr/>
+              <a:lstStyle/>
+              <a:p>
+                <a:r>
+                  <a:rPr lang="ja-JP" altLang="en-US">
+                    <a:noFill/>
+                  </a:rPr>
+                  <a:t> </a:t>
+                </a:r>
+              </a:p>
+            </p:txBody>
+          </p:sp>
+        </mc:Fallback>
+      </mc:AlternateContent>
+      <mc:AlternateContent xmlns:mc="http://schemas.openxmlformats.org/markup-compatibility/2006">
+        <mc:Choice xmlns:a14="http://schemas.microsoft.com/office/drawing/2010/main" Requires="a14">
+          <p:sp>
+            <p:nvSpPr>
+              <p:cNvPr id="31" name="テキスト ボックス 30"/>
+              <p:cNvSpPr txBox="1"/>
+              <p:nvPr/>
+            </p:nvSpPr>
+            <p:spPr>
+              <a:xfrm>
+                <a:off x="1439718" y="1966483"/>
+                <a:ext cx="504056" cy="253916"/>
+              </a:xfrm>
+              <a:prstGeom prst="rect">
+                <a:avLst/>
+              </a:prstGeom>
+              <a:noFill/>
+            </p:spPr>
+            <p:txBody>
+              <a:bodyPr wrap="square" rtlCol="0">
+                <a:spAutoFit/>
+              </a:bodyPr>
+              <a:lstStyle/>
+              <a:p>
+                <a14:m>
+                  <m:oMathPara xmlns:m="http://schemas.openxmlformats.org/officeDocument/2006/math">
+                    <m:oMathParaPr>
+                      <m:jc m:val="centerGroup"/>
+                    </m:oMathParaPr>
+                    <m:oMath xmlns:m="http://schemas.openxmlformats.org/officeDocument/2006/math">
+                      <m:r>
+                        <m:rPr>
+                          <m:sty m:val="p"/>
+                        </m:rPr>
+                        <a:rPr kumimoji="1" lang="en-US" altLang="ja-JP" sz="1050" b="0" i="0" smtClean="0">
+                          <a:latin typeface="Cambria Math"/>
+                          <a:ea typeface="HG丸ｺﾞｼｯｸM-PRO" panose="020F0600000000000000" pitchFamily="50" charset="-128"/>
+                        </a:rPr>
+                        <m:t>Enc</m:t>
+                      </m:r>
+                    </m:oMath>
+                  </m:oMathPara>
+                </a14:m>
+                <a:endParaRPr kumimoji="1" lang="ja-JP" altLang="en-US" sz="1050">
+                  <a:latin typeface="HG丸ｺﾞｼｯｸM-PRO" panose="020F0600000000000000" pitchFamily="50" charset="-128"/>
+                  <a:ea typeface="HG丸ｺﾞｼｯｸM-PRO" panose="020F0600000000000000" pitchFamily="50" charset="-128"/>
+                </a:endParaRPr>
+              </a:p>
+            </p:txBody>
+          </p:sp>
+        </mc:Choice>
+        <mc:Fallback>
+          <p:sp>
+            <p:nvSpPr>
+              <p:cNvPr id="31" name="テキスト ボックス 30"/>
+              <p:cNvSpPr txBox="1">
+                <a:spLocks noRot="1" noChangeAspect="1" noMove="1" noResize="1" noEditPoints="1" noAdjustHandles="1" noChangeArrowheads="1" noChangeShapeType="1" noTextEdit="1"/>
+              </p:cNvSpPr>
+              <p:nvPr/>
+            </p:nvSpPr>
+            <p:spPr>
+              <a:xfrm>
+                <a:off x="1439718" y="1966483"/>
+                <a:ext cx="504056" cy="253916"/>
+              </a:xfrm>
+              <a:prstGeom prst="rect">
+                <a:avLst/>
+              </a:prstGeom>
+              <a:blipFill rotWithShape="1">
+                <a:blip r:embed="rId13"/>
+                <a:stretch>
+                  <a:fillRect/>
+                </a:stretch>
+              </a:blipFill>
+            </p:spPr>
+            <p:txBody>
+              <a:bodyPr/>
+              <a:lstStyle/>
+              <a:p>
+                <a:r>
+                  <a:rPr lang="ja-JP" altLang="en-US">
+                    <a:noFill/>
+                  </a:rPr>
+                  <a:t> </a:t>
+                </a:r>
+              </a:p>
+            </p:txBody>
+          </p:sp>
+        </mc:Fallback>
+      </mc:AlternateContent>
+      <mc:AlternateContent xmlns:mc="http://schemas.openxmlformats.org/markup-compatibility/2006">
+        <mc:Choice xmlns:a14="http://schemas.microsoft.com/office/drawing/2010/main" Requires="a14">
+          <p:sp>
+            <p:nvSpPr>
+              <p:cNvPr id="32" name="テキスト ボックス 31"/>
+              <p:cNvSpPr txBox="1"/>
+              <p:nvPr/>
+            </p:nvSpPr>
+            <p:spPr>
+              <a:xfrm>
+                <a:off x="2228837" y="1966483"/>
+                <a:ext cx="504056" cy="253916"/>
+              </a:xfrm>
+              <a:prstGeom prst="rect">
+                <a:avLst/>
+              </a:prstGeom>
+              <a:noFill/>
+            </p:spPr>
+            <p:txBody>
+              <a:bodyPr wrap="square" rtlCol="0">
+                <a:spAutoFit/>
+              </a:bodyPr>
+              <a:lstStyle/>
+              <a:p>
+                <a14:m>
+                  <m:oMathPara xmlns:m="http://schemas.openxmlformats.org/officeDocument/2006/math">
+                    <m:oMathParaPr>
+                      <m:jc m:val="centerGroup"/>
+                    </m:oMathParaPr>
+                    <m:oMath xmlns:m="http://schemas.openxmlformats.org/officeDocument/2006/math">
+                      <m:r>
+                        <m:rPr>
+                          <m:sty m:val="p"/>
+                        </m:rPr>
+                        <a:rPr kumimoji="1" lang="en-US" altLang="ja-JP" sz="1050" b="0" i="0" smtClean="0">
+                          <a:latin typeface="Cambria Math"/>
+                          <a:ea typeface="HG丸ｺﾞｼｯｸM-PRO" panose="020F0600000000000000" pitchFamily="50" charset="-128"/>
+                        </a:rPr>
+                        <m:t>Enc</m:t>
+                      </m:r>
+                    </m:oMath>
+                  </m:oMathPara>
+                </a14:m>
+                <a:endParaRPr kumimoji="1" lang="ja-JP" altLang="en-US" sz="1050">
+                  <a:latin typeface="HG丸ｺﾞｼｯｸM-PRO" panose="020F0600000000000000" pitchFamily="50" charset="-128"/>
+                  <a:ea typeface="HG丸ｺﾞｼｯｸM-PRO" panose="020F0600000000000000" pitchFamily="50" charset="-128"/>
+                </a:endParaRPr>
+              </a:p>
+            </p:txBody>
+          </p:sp>
+        </mc:Choice>
+        <mc:Fallback>
+          <p:sp>
+            <p:nvSpPr>
+              <p:cNvPr id="32" name="テキスト ボックス 31"/>
+              <p:cNvSpPr txBox="1">
+                <a:spLocks noRot="1" noChangeAspect="1" noMove="1" noResize="1" noEditPoints="1" noAdjustHandles="1" noChangeArrowheads="1" noChangeShapeType="1" noTextEdit="1"/>
+              </p:cNvSpPr>
+              <p:nvPr/>
+            </p:nvSpPr>
+            <p:spPr>
+              <a:xfrm>
+                <a:off x="2228837" y="1966483"/>
+                <a:ext cx="504056" cy="253916"/>
+              </a:xfrm>
+              <a:prstGeom prst="rect">
+                <a:avLst/>
+              </a:prstGeom>
+              <a:blipFill rotWithShape="1">
+                <a:blip r:embed="rId14"/>
+                <a:stretch>
+                  <a:fillRect/>
+                </a:stretch>
+              </a:blipFill>
+            </p:spPr>
+            <p:txBody>
+              <a:bodyPr/>
+              <a:lstStyle/>
+              <a:p>
+                <a:r>
+                  <a:rPr lang="ja-JP" altLang="en-US">
+                    <a:noFill/>
+                  </a:rPr>
+                  <a:t> </a:t>
+                </a:r>
+              </a:p>
+            </p:txBody>
+          </p:sp>
+        </mc:Fallback>
+      </mc:AlternateContent>
     </p:spTree>
     <p:extLst>
       <p:ext uri="{BB962C8B-B14F-4D97-AF65-F5344CB8AC3E}">
